--- a/You-Underestimate-Our-Powell-Poster.pptx
+++ b/You-Underestimate-Our-Powell-Poster.pptx
@@ -302,7 +302,7 @@
           <a:p>
             <a:fld id="{11070CE7-1A2C-45C1-BFEA-49ED9FDD54A1}" type="datetimeFigureOut">
               <a:rPr lang="en-US" smtClean="0"/>
-              <a:t>10/6/2021</a:t>
+              <a:t>10/7/2021</a:t>
             </a:fld>
             <a:endParaRPr lang="en-US"/>
           </a:p>
@@ -470,7 +470,7 @@
           <a:p>
             <a:fld id="{11070CE7-1A2C-45C1-BFEA-49ED9FDD54A1}" type="datetimeFigureOut">
               <a:rPr lang="en-US" smtClean="0"/>
-              <a:t>10/6/2021</a:t>
+              <a:t>10/7/2021</a:t>
             </a:fld>
             <a:endParaRPr lang="en-US"/>
           </a:p>
@@ -648,7 +648,7 @@
           <a:p>
             <a:fld id="{11070CE7-1A2C-45C1-BFEA-49ED9FDD54A1}" type="datetimeFigureOut">
               <a:rPr lang="en-US" smtClean="0"/>
-              <a:t>10/6/2021</a:t>
+              <a:t>10/7/2021</a:t>
             </a:fld>
             <a:endParaRPr lang="en-US"/>
           </a:p>
@@ -816,7 +816,7 @@
           <a:p>
             <a:fld id="{11070CE7-1A2C-45C1-BFEA-49ED9FDD54A1}" type="datetimeFigureOut">
               <a:rPr lang="en-US" smtClean="0"/>
-              <a:t>10/6/2021</a:t>
+              <a:t>10/7/2021</a:t>
             </a:fld>
             <a:endParaRPr lang="en-US"/>
           </a:p>
@@ -1061,7 +1061,7 @@
           <a:p>
             <a:fld id="{11070CE7-1A2C-45C1-BFEA-49ED9FDD54A1}" type="datetimeFigureOut">
               <a:rPr lang="en-US" smtClean="0"/>
-              <a:t>10/6/2021</a:t>
+              <a:t>10/7/2021</a:t>
             </a:fld>
             <a:endParaRPr lang="en-US"/>
           </a:p>
@@ -1346,7 +1346,7 @@
           <a:p>
             <a:fld id="{11070CE7-1A2C-45C1-BFEA-49ED9FDD54A1}" type="datetimeFigureOut">
               <a:rPr lang="en-US" smtClean="0"/>
-              <a:t>10/6/2021</a:t>
+              <a:t>10/7/2021</a:t>
             </a:fld>
             <a:endParaRPr lang="en-US"/>
           </a:p>
@@ -1765,7 +1765,7 @@
           <a:p>
             <a:fld id="{11070CE7-1A2C-45C1-BFEA-49ED9FDD54A1}" type="datetimeFigureOut">
               <a:rPr lang="en-US" smtClean="0"/>
-              <a:t>10/6/2021</a:t>
+              <a:t>10/7/2021</a:t>
             </a:fld>
             <a:endParaRPr lang="en-US"/>
           </a:p>
@@ -1882,7 +1882,7 @@
           <a:p>
             <a:fld id="{11070CE7-1A2C-45C1-BFEA-49ED9FDD54A1}" type="datetimeFigureOut">
               <a:rPr lang="en-US" smtClean="0"/>
-              <a:t>10/6/2021</a:t>
+              <a:t>10/7/2021</a:t>
             </a:fld>
             <a:endParaRPr lang="en-US"/>
           </a:p>
@@ -1977,7 +1977,7 @@
           <a:p>
             <a:fld id="{11070CE7-1A2C-45C1-BFEA-49ED9FDD54A1}" type="datetimeFigureOut">
               <a:rPr lang="en-US" smtClean="0"/>
-              <a:t>10/6/2021</a:t>
+              <a:t>10/7/2021</a:t>
             </a:fld>
             <a:endParaRPr lang="en-US"/>
           </a:p>
@@ -2252,7 +2252,7 @@
           <a:p>
             <a:fld id="{11070CE7-1A2C-45C1-BFEA-49ED9FDD54A1}" type="datetimeFigureOut">
               <a:rPr lang="en-US" smtClean="0"/>
-              <a:t>10/6/2021</a:t>
+              <a:t>10/7/2021</a:t>
             </a:fld>
             <a:endParaRPr lang="en-US"/>
           </a:p>
@@ -2504,7 +2504,7 @@
           <a:p>
             <a:fld id="{11070CE7-1A2C-45C1-BFEA-49ED9FDD54A1}" type="datetimeFigureOut">
               <a:rPr lang="en-US" smtClean="0"/>
-              <a:t>10/6/2021</a:t>
+              <a:t>10/7/2021</a:t>
             </a:fld>
             <a:endParaRPr lang="en-US"/>
           </a:p>
@@ -2715,7 +2715,7 @@
           <a:p>
             <a:fld id="{11070CE7-1A2C-45C1-BFEA-49ED9FDD54A1}" type="datetimeFigureOut">
               <a:rPr lang="en-US" smtClean="0"/>
-              <a:t>10/6/2021</a:t>
+              <a:t>10/7/2021</a:t>
             </a:fld>
             <a:endParaRPr lang="en-US"/>
           </a:p>
@@ -3102,23 +3102,42 @@
         </p:nvSpPr>
         <p:spPr>
           <a:xfrm>
-            <a:off x="2057400" y="1600200"/>
-            <a:ext cx="18653760" cy="4495800"/>
+            <a:off x="2087880" y="1501902"/>
+            <a:ext cx="18653760" cy="8756541"/>
           </a:xfrm>
         </p:spPr>
         <p:txBody>
           <a:bodyPr>
-            <a:normAutofit/>
+            <a:normAutofit fontScale="90000"/>
           </a:bodyPr>
           <a:lstStyle/>
           <a:p>
             <a:r>
+              <a:rPr lang="en-US" sz="12500" b="1" dirty="0">
+                <a:cs typeface="Times New Roman" panose="02020603050405020304" pitchFamily="18" charset="0"/>
+              </a:rPr>
+              <a:t>Bouncer Locking System</a:t>
+            </a:r>
+            <a:br>
               <a:rPr lang="en-US" sz="12500" dirty="0">
                 <a:latin typeface="Times New Roman" panose="02020603050405020304" pitchFamily="18" charset="0"/>
                 <a:cs typeface="Times New Roman" panose="02020603050405020304" pitchFamily="18" charset="0"/>
               </a:rPr>
-              <a:t>Bouncer Locking System</a:t>
-            </a:r>
+            </a:br>
+            <a:r>
+              <a:rPr lang="en-US" sz="9600" dirty="0"/>
+              <a:t>A locking system with multi-level </a:t>
+            </a:r>
+            <a:br>
+              <a:rPr lang="en-US" sz="9600" dirty="0"/>
+            </a:br>
+            <a:r>
+              <a:rPr lang="en-US" sz="9600" dirty="0"/>
+              <a:t>user access</a:t>
+            </a:r>
+            <a:br>
+              <a:rPr lang="en-US" sz="9600" dirty="0"/>
+            </a:br>
             <a:br>
               <a:rPr lang="en-US" sz="12500" dirty="0">
                 <a:latin typeface="Times New Roman" panose="02020603050405020304" pitchFamily="18" charset="0"/>
@@ -3144,7 +3163,7 @@
         </p:nvSpPr>
         <p:spPr>
           <a:xfrm>
-            <a:off x="3733800" y="5181600"/>
+            <a:off x="3605676" y="6645777"/>
             <a:ext cx="15361920" cy="4648200"/>
           </a:xfrm>
         </p:spPr>
@@ -3156,21 +3175,21 @@
           <a:p>
             <a:r>
               <a:rPr lang="en-US" sz="7600" b="1" i="1" dirty="0">
-                <a:latin typeface="Times New Roman" panose="02020603050405020304" pitchFamily="18" charset="0"/>
+                <a:latin typeface="+mj-lt"/>
                 <a:cs typeface="Times New Roman" panose="02020603050405020304" pitchFamily="18" charset="0"/>
               </a:rPr>
               <a:t>John </a:t>
             </a:r>
             <a:r>
               <a:rPr lang="en-US" sz="7600" b="1" i="1" dirty="0" err="1">
-                <a:latin typeface="Times New Roman" panose="02020603050405020304" pitchFamily="18" charset="0"/>
+                <a:latin typeface="+mj-lt"/>
                 <a:cs typeface="Times New Roman" panose="02020603050405020304" pitchFamily="18" charset="0"/>
               </a:rPr>
               <a:t>Chrosniak</a:t>
             </a:r>
             <a:r>
               <a:rPr lang="en-US" sz="7600" b="1" i="1" dirty="0">
-                <a:latin typeface="Times New Roman" panose="02020603050405020304" pitchFamily="18" charset="0"/>
+                <a:latin typeface="+mj-lt"/>
                 <a:cs typeface="Times New Roman" panose="02020603050405020304" pitchFamily="18" charset="0"/>
               </a:rPr>
               <a:t>, AJ Given, Derek Martin, Jamison Stevens</a:t>
@@ -3179,7 +3198,7 @@
           <a:p>
             <a:r>
               <a:rPr lang="en-US" sz="7600" b="1" i="1" dirty="0">
-                <a:latin typeface="Times New Roman" panose="02020603050405020304" pitchFamily="18" charset="0"/>
+                <a:latin typeface="+mj-lt"/>
                 <a:cs typeface="Times New Roman" panose="02020603050405020304" pitchFamily="18" charset="0"/>
               </a:rPr>
               <a:t>ECE 4440/4991 Fall 2021</a:t>
@@ -3231,7 +3250,7 @@
         </p:nvSpPr>
         <p:spPr>
           <a:xfrm>
-            <a:off x="152400" y="9525001"/>
+            <a:off x="718939" y="13933684"/>
             <a:ext cx="10820400" cy="3739485"/>
           </a:xfrm>
           <a:prstGeom prst="rect">
@@ -3287,8 +3306,8 @@
         </p:nvSpPr>
         <p:spPr>
           <a:xfrm>
-            <a:off x="10972800" y="9448800"/>
-            <a:ext cx="10820400" cy="4555093"/>
+            <a:off x="718939" y="10525161"/>
+            <a:ext cx="21076920" cy="2800767"/>
           </a:xfrm>
           <a:prstGeom prst="rect">
             <a:avLst/>
@@ -3314,52 +3333,6 @@
             <a:r>
               <a:rPr lang="en-US" sz="5700" dirty="0"/>
               <a:t>Facilitate communication between users and package delivery services to effectively eliminate porch piracy</a:t>
-            </a:r>
-          </a:p>
-        </p:txBody>
-      </p:sp>
-      <p:sp>
-        <p:nvSpPr>
-          <p:cNvPr id="8" name="TextBox 7">
-            <a:extLst>
-              <a:ext uri="{FF2B5EF4-FFF2-40B4-BE49-F238E27FC236}">
-                <a16:creationId xmlns:a16="http://schemas.microsoft.com/office/drawing/2014/main" id="{A64C6EE9-E7E6-4920-8B48-BEC4CDF1FDD3}"/>
-              </a:ext>
-            </a:extLst>
-          </p:cNvPr>
-          <p:cNvSpPr txBox="1"/>
-          <p:nvPr/>
-        </p:nvSpPr>
-        <p:spPr>
-          <a:xfrm>
-            <a:off x="155944" y="13868400"/>
-            <a:ext cx="10820400" cy="3647152"/>
-          </a:xfrm>
-          <a:prstGeom prst="rect">
-            <a:avLst/>
-          </a:prstGeom>
-          <a:noFill/>
-        </p:spPr>
-        <p:txBody>
-          <a:bodyPr wrap="square" rtlCol="0">
-            <a:spAutoFit/>
-          </a:bodyPr>
-          <a:lstStyle/>
-          <a:p>
-            <a:r>
-              <a:rPr lang="en-US" b="1" dirty="0"/>
-              <a:t>Deliverables</a:t>
-            </a:r>
-            <a:endParaRPr lang="en-US" dirty="0"/>
-          </a:p>
-          <a:p>
-            <a:pPr marL="857250" indent="-857250">
-              <a:buFont typeface="Arial" panose="020B0604020202020204" pitchFamily="34" charset="0"/>
-              <a:buChar char="•"/>
-            </a:pPr>
-            <a:r>
-              <a:rPr lang="en-US" sz="5700" dirty="0"/>
-              <a:t>A locking system with multi-level user access, integrated camera, and web application</a:t>
             </a:r>
           </a:p>
         </p:txBody>
@@ -3378,7 +3351,7 @@
         </p:nvSpPr>
         <p:spPr>
           <a:xfrm>
-            <a:off x="10972800" y="13868400"/>
+            <a:off x="11343624" y="13935488"/>
             <a:ext cx="10820400" cy="3677930"/>
           </a:xfrm>
           <a:prstGeom prst="rect">

--- a/You-Underestimate-Our-Powell-Poster.pptx
+++ b/You-Underestimate-Our-Powell-Poster.pptx
@@ -3174,35 +3174,48 @@
           <a:lstStyle/>
           <a:p>
             <a:r>
-              <a:rPr lang="en-US" sz="7600" b="1" i="1" dirty="0">
+              <a:rPr lang="en-US" sz="6600" b="1" i="1" dirty="0">
                 <a:latin typeface="+mj-lt"/>
                 <a:cs typeface="Times New Roman" panose="02020603050405020304" pitchFamily="18" charset="0"/>
               </a:rPr>
               <a:t>John </a:t>
             </a:r>
             <a:r>
-              <a:rPr lang="en-US" sz="7600" b="1" i="1" dirty="0" err="1">
+              <a:rPr lang="en-US" sz="6600" b="1" i="1" dirty="0" err="1">
                 <a:latin typeface="+mj-lt"/>
                 <a:cs typeface="Times New Roman" panose="02020603050405020304" pitchFamily="18" charset="0"/>
               </a:rPr>
               <a:t>Chrosniak</a:t>
             </a:r>
             <a:r>
-              <a:rPr lang="en-US" sz="7600" b="1" i="1" dirty="0">
+              <a:rPr lang="en-US" sz="6600" b="1" i="1" dirty="0">
                 <a:latin typeface="+mj-lt"/>
                 <a:cs typeface="Times New Roman" panose="02020603050405020304" pitchFamily="18" charset="0"/>
               </a:rPr>
-              <a:t>, AJ Given, Derek Martin, Jamison Stevens</a:t>
-            </a:r>
-          </a:p>
-          <a:p>
-            <a:r>
-              <a:rPr lang="en-US" sz="7600" b="1" i="1" dirty="0">
+              <a:t>, AJ Given, </a:t>
+            </a:r>
+          </a:p>
+          <a:p>
+            <a:r>
+              <a:rPr lang="en-US" sz="6600" b="1" i="1" dirty="0">
+                <a:latin typeface="+mj-lt"/>
+                <a:cs typeface="Times New Roman" panose="02020603050405020304" pitchFamily="18" charset="0"/>
+              </a:rPr>
+              <a:t>Derek Martin, Jamison Stevens</a:t>
+            </a:r>
+          </a:p>
+          <a:p>
+            <a:r>
+              <a:rPr lang="en-US" sz="6600" b="1" i="1" dirty="0">
                 <a:latin typeface="+mj-lt"/>
                 <a:cs typeface="Times New Roman" panose="02020603050405020304" pitchFamily="18" charset="0"/>
               </a:rPr>
               <a:t>ECE 4440/4991 Fall 2021</a:t>
             </a:r>
+            <a:endParaRPr lang="en-US" sz="7200" b="1" i="1" dirty="0">
+              <a:latin typeface="+mj-lt"/>
+              <a:cs typeface="Times New Roman" panose="02020603050405020304" pitchFamily="18" charset="0"/>
+            </a:endParaRPr>
           </a:p>
         </p:txBody>
       </p:sp>
@@ -3307,7 +3320,7 @@
         <p:spPr>
           <a:xfrm>
             <a:off x="718939" y="10525161"/>
-            <a:ext cx="21076920" cy="2800767"/>
+            <a:ext cx="21076920" cy="3231654"/>
           </a:xfrm>
           <a:prstGeom prst="rect">
             <a:avLst/>
@@ -3321,7 +3334,7 @@
           <a:lstStyle/>
           <a:p>
             <a:r>
-              <a:rPr lang="en-US" b="1" dirty="0"/>
+              <a:rPr lang="en-US" sz="7200" b="1" dirty="0"/>
               <a:t>Objectives</a:t>
             </a:r>
           </a:p>
@@ -3331,7 +3344,7 @@
               <a:buChar char="•"/>
             </a:pPr>
             <a:r>
-              <a:rPr lang="en-US" sz="5700" dirty="0"/>
+              <a:rPr lang="en-US" sz="6600" dirty="0"/>
               <a:t>Facilitate communication between users and package delivery services to effectively eliminate porch piracy</a:t>
             </a:r>
           </a:p>
